--- a/Group10_Weather_Data_Analytics/Group10_Presentation.pptx
+++ b/Group10_Weather_Data_Analytics/Group10_Presentation.pptx
@@ -5,7 +5,7 @@
     <p:sldMasterId id="2147483660" r:id="rId1"/>
   </p:sldMasterIdLst>
   <p:notesMasterIdLst>
-    <p:notesMasterId r:id="rId15"/>
+    <p:notesMasterId r:id="rId16"/>
   </p:notesMasterIdLst>
   <p:sldIdLst>
     <p:sldId id="256" r:id="rId2"/>
@@ -13,14 +13,15 @@
     <p:sldId id="265" r:id="rId4"/>
     <p:sldId id="259" r:id="rId5"/>
     <p:sldId id="267" r:id="rId6"/>
-    <p:sldId id="269" r:id="rId7"/>
-    <p:sldId id="262" r:id="rId8"/>
-    <p:sldId id="266" r:id="rId9"/>
-    <p:sldId id="258" r:id="rId10"/>
-    <p:sldId id="268" r:id="rId11"/>
-    <p:sldId id="260" r:id="rId12"/>
-    <p:sldId id="261" r:id="rId13"/>
-    <p:sldId id="263" r:id="rId14"/>
+    <p:sldId id="270" r:id="rId7"/>
+    <p:sldId id="269" r:id="rId8"/>
+    <p:sldId id="262" r:id="rId9"/>
+    <p:sldId id="266" r:id="rId10"/>
+    <p:sldId id="258" r:id="rId11"/>
+    <p:sldId id="268" r:id="rId12"/>
+    <p:sldId id="260" r:id="rId13"/>
+    <p:sldId id="261" r:id="rId14"/>
+    <p:sldId id="263" r:id="rId15"/>
   </p:sldIdLst>
   <p:sldSz cx="9144000" cy="6858000" type="screen4x3"/>
   <p:notesSz cx="6858000" cy="9144000"/>
@@ -121,7 +122,7 @@
   </p:defaultTextStyle>
   <p:extLst>
     <p:ext uri="{EFAFB233-063F-42B5-8137-9DF3F51BA10A}">
-      <p15:sldGuideLst xmlns="" xmlns:p15="http://schemas.microsoft.com/office/powerpoint/2012/main">
+      <p15:sldGuideLst xmlns:p15="http://schemas.microsoft.com/office/powerpoint/2012/main">
         <p15:guide id="1" orient="horz" pos="2160">
           <p15:clr>
             <a:srgbClr val="A4A3A4"/>
@@ -220,7 +221,7 @@
           <a:p>
             <a:fld id="{96EA2355-02DB-1D41-9907-5C5C0AF5B608}" type="datetimeFigureOut">
               <a:rPr lang="en-US" smtClean="0"/>
-              <a:t>8/22/15</a:t>
+              <a:t>8/22/2015</a:t>
             </a:fld>
             <a:endParaRPr lang="en-US"/>
           </a:p>
@@ -791,7 +792,7 @@
           <a:p>
             <a:fld id="{70FAA508-F0CD-46EA-95FB-26B559A0B5D9}" type="datetimeFigureOut">
               <a:rPr lang="en-US" smtClean="0"/>
-              <a:t>8/22/15</a:t>
+              <a:t>8/22/2015</a:t>
             </a:fld>
             <a:endParaRPr lang="en-US"/>
           </a:p>
@@ -1112,7 +1113,7 @@
           <a:p>
             <a:fld id="{70FAA508-F0CD-46EA-95FB-26B559A0B5D9}" type="datetimeFigureOut">
               <a:rPr lang="en-US" smtClean="0"/>
-              <a:t>8/22/15</a:t>
+              <a:t>8/22/2015</a:t>
             </a:fld>
             <a:endParaRPr lang="en-US"/>
           </a:p>
@@ -1389,7 +1390,7 @@
           <a:p>
             <a:fld id="{70FAA508-F0CD-46EA-95FB-26B559A0B5D9}" type="datetimeFigureOut">
               <a:rPr lang="en-US" smtClean="0"/>
-              <a:t>8/22/15</a:t>
+              <a:t>8/22/2015</a:t>
             </a:fld>
             <a:endParaRPr lang="en-US"/>
           </a:p>
@@ -1683,7 +1684,7 @@
           <a:p>
             <a:fld id="{70FAA508-F0CD-46EA-95FB-26B559A0B5D9}" type="datetimeFigureOut">
               <a:rPr lang="en-US" smtClean="0"/>
-              <a:t>8/22/15</a:t>
+              <a:t>8/22/2015</a:t>
             </a:fld>
             <a:endParaRPr lang="en-US"/>
           </a:p>
@@ -2012,7 +2013,7 @@
           <a:p>
             <a:fld id="{70FAA508-F0CD-46EA-95FB-26B559A0B5D9}" type="datetimeFigureOut">
               <a:rPr lang="en-US" smtClean="0"/>
-              <a:t>8/22/15</a:t>
+              <a:t>8/22/2015</a:t>
             </a:fld>
             <a:endParaRPr lang="en-US"/>
           </a:p>
@@ -2263,7 +2264,7 @@
           <a:p>
             <a:fld id="{70FAA508-F0CD-46EA-95FB-26B559A0B5D9}" type="datetimeFigureOut">
               <a:rPr lang="en-US" smtClean="0"/>
-              <a:t>8/22/15</a:t>
+              <a:t>8/22/2015</a:t>
             </a:fld>
             <a:endParaRPr lang="en-US"/>
           </a:p>
@@ -2442,7 +2443,7 @@
           <a:p>
             <a:fld id="{70FAA508-F0CD-46EA-95FB-26B559A0B5D9}" type="datetimeFigureOut">
               <a:rPr lang="en-US" smtClean="0"/>
-              <a:t>8/22/15</a:t>
+              <a:t>8/22/2015</a:t>
             </a:fld>
             <a:endParaRPr lang="en-US"/>
           </a:p>
@@ -2611,7 +2612,7 @@
           <a:p>
             <a:fld id="{70FAA508-F0CD-46EA-95FB-26B559A0B5D9}" type="datetimeFigureOut">
               <a:rPr lang="en-US" smtClean="0"/>
-              <a:t>8/22/15</a:t>
+              <a:t>8/22/2015</a:t>
             </a:fld>
             <a:endParaRPr lang="en-US"/>
           </a:p>
@@ -2880,7 +2881,7 @@
           <a:p>
             <a:fld id="{70FAA508-F0CD-46EA-95FB-26B559A0B5D9}" type="datetimeFigureOut">
               <a:rPr lang="en-US" smtClean="0"/>
-              <a:t>8/22/15</a:t>
+              <a:t>8/22/2015</a:t>
             </a:fld>
             <a:endParaRPr lang="en-US"/>
           </a:p>
@@ -3187,7 +3188,7 @@
           <a:p>
             <a:fld id="{70FAA508-F0CD-46EA-95FB-26B559A0B5D9}" type="datetimeFigureOut">
               <a:rPr lang="en-US" smtClean="0"/>
-              <a:t>8/22/15</a:t>
+              <a:t>8/22/2015</a:t>
             </a:fld>
             <a:endParaRPr lang="en-US"/>
           </a:p>
@@ -3479,7 +3480,7 @@
           <a:p>
             <a:fld id="{70FAA508-F0CD-46EA-95FB-26B559A0B5D9}" type="datetimeFigureOut">
               <a:rPr lang="en-US" smtClean="0"/>
-              <a:t>8/22/15</a:t>
+              <a:t>8/22/2015</a:t>
             </a:fld>
             <a:endParaRPr lang="en-US"/>
           </a:p>
@@ -3909,7 +3910,7 @@
           <a:p>
             <a:fld id="{70FAA508-F0CD-46EA-95FB-26B559A0B5D9}" type="datetimeFigureOut">
               <a:rPr lang="en-US" smtClean="0"/>
-              <a:t>8/22/15</a:t>
+              <a:t>8/22/2015</a:t>
             </a:fld>
             <a:endParaRPr lang="en-US"/>
           </a:p>
@@ -4255,7 +4256,7 @@
           <a:p>
             <a:fld id="{70FAA508-F0CD-46EA-95FB-26B559A0B5D9}" type="datetimeFigureOut">
               <a:rPr lang="en-US" smtClean="0"/>
-              <a:t>8/22/15</a:t>
+              <a:t>8/22/2015</a:t>
             </a:fld>
             <a:endParaRPr lang="en-US"/>
           </a:p>
@@ -4345,7 +4346,7 @@
           <a:p>
             <a:fld id="{70FAA508-F0CD-46EA-95FB-26B559A0B5D9}" type="datetimeFigureOut">
               <a:rPr lang="en-US" smtClean="0"/>
-              <a:t>8/22/15</a:t>
+              <a:t>8/22/2015</a:t>
             </a:fld>
             <a:endParaRPr lang="en-US"/>
           </a:p>
@@ -4682,7 +4683,7 @@
           <a:p>
             <a:fld id="{70FAA508-F0CD-46EA-95FB-26B559A0B5D9}" type="datetimeFigureOut">
               <a:rPr lang="en-US" smtClean="0"/>
-              <a:t>8/22/15</a:t>
+              <a:t>8/22/2015</a:t>
             </a:fld>
             <a:endParaRPr lang="en-US"/>
           </a:p>
@@ -4894,7 +4895,7 @@
           <a:p>
             <a:fld id="{70FAA508-F0CD-46EA-95FB-26B559A0B5D9}" type="datetimeFigureOut">
               <a:rPr lang="en-US" smtClean="0"/>
-              <a:t>8/22/15</a:t>
+              <a:t>8/22/2015</a:t>
             </a:fld>
             <a:endParaRPr lang="en-US"/>
           </a:p>
@@ -5548,7 +5549,7 @@
   <p:timing>
     <p:tnLst>
       <p:par>
-        <p:cTn xmlns:p14="http://schemas.microsoft.com/office/powerpoint/2010/main" id="1" dur="indefinite" restart="never" nodeType="tmRoot"/>
+        <p:cTn id="1" dur="indefinite" restart="never" nodeType="tmRoot"/>
       </p:par>
     </p:tnLst>
   </p:timing>
@@ -5556,6 +5557,154 @@
 </file>
 
 <file path=ppt/slides/slide10.xml><?xml version="1.0" encoding="utf-8"?>
+<p:sld xmlns:a="http://schemas.openxmlformats.org/drawingml/2006/main" xmlns:r="http://schemas.openxmlformats.org/officeDocument/2006/relationships" xmlns:p="http://schemas.openxmlformats.org/presentationml/2006/main">
+  <p:cSld>
+    <p:spTree>
+      <p:nvGrpSpPr>
+        <p:cNvPr id="1" name=""/>
+        <p:cNvGrpSpPr/>
+        <p:nvPr/>
+      </p:nvGrpSpPr>
+      <p:grpSpPr>
+        <a:xfrm>
+          <a:off x="0" y="0"/>
+          <a:ext cx="0" cy="0"/>
+          <a:chOff x="0" y="0"/>
+          <a:chExt cx="0" cy="0"/>
+        </a:xfrm>
+      </p:grpSpPr>
+      <p:sp>
+        <p:nvSpPr>
+          <p:cNvPr id="2" name="Title 1"/>
+          <p:cNvSpPr>
+            <a:spLocks noGrp="1"/>
+          </p:cNvSpPr>
+          <p:nvPr>
+            <p:ph type="title"/>
+          </p:nvPr>
+        </p:nvSpPr>
+        <p:spPr/>
+        <p:txBody>
+          <a:bodyPr/>
+          <a:lstStyle/>
+          <a:p>
+            <a:r>
+              <a:rPr lang="en-US" dirty="0" smtClean="0"/>
+              <a:t>Data Preprocessing</a:t>
+            </a:r>
+            <a:endParaRPr lang="en-US" dirty="0"/>
+          </a:p>
+        </p:txBody>
+      </p:sp>
+      <p:sp>
+        <p:nvSpPr>
+          <p:cNvPr id="3" name="Content Placeholder 2"/>
+          <p:cNvSpPr>
+            <a:spLocks noGrp="1"/>
+          </p:cNvSpPr>
+          <p:nvPr>
+            <p:ph idx="1"/>
+          </p:nvPr>
+        </p:nvSpPr>
+        <p:spPr>
+          <a:xfrm>
+            <a:off x="883539" y="2723035"/>
+            <a:ext cx="7610476" cy="3011609"/>
+          </a:xfrm>
+        </p:spPr>
+        <p:txBody>
+          <a:bodyPr>
+            <a:normAutofit lnSpcReduction="10000"/>
+          </a:bodyPr>
+          <a:lstStyle/>
+          <a:p>
+            <a:r>
+              <a:rPr lang="en-US" b="1" dirty="0" smtClean="0"/>
+              <a:t>Biggest challenge: </a:t>
+            </a:r>
+            <a:r>
+              <a:rPr lang="en-US" dirty="0" smtClean="0"/>
+              <a:t>Data cleansing into suitable format</a:t>
+            </a:r>
+          </a:p>
+          <a:p>
+            <a:r>
+              <a:rPr lang="en-US" dirty="0" smtClean="0"/>
+              <a:t>Different areas of preprocessing:</a:t>
+            </a:r>
+          </a:p>
+          <a:p>
+            <a:pPr lvl="1"/>
+            <a:r>
+              <a:rPr lang="en-US" dirty="0" smtClean="0"/>
+              <a:t>Handling bad data</a:t>
+            </a:r>
+          </a:p>
+          <a:p>
+            <a:pPr lvl="1"/>
+            <a:r>
+              <a:rPr lang="en-US" dirty="0" smtClean="0"/>
+              <a:t>Converting categorical into numerical values</a:t>
+            </a:r>
+          </a:p>
+          <a:p>
+            <a:r>
+              <a:rPr lang="en-US" dirty="0"/>
+              <a:t>Handling bad data:</a:t>
+            </a:r>
+          </a:p>
+          <a:p>
+            <a:pPr lvl="1"/>
+            <a:r>
+              <a:rPr lang="en-US" i="1" dirty="0"/>
+              <a:t>“Significant Weather” </a:t>
+            </a:r>
+            <a:r>
+              <a:rPr lang="en-US" dirty="0"/>
+              <a:t>column has N/A values and also other columns have missing values</a:t>
+            </a:r>
+          </a:p>
+          <a:p>
+            <a:pPr lvl="1"/>
+            <a:r>
+              <a:rPr lang="en-US" dirty="0"/>
+              <a:t>We filter out rows that match these criteria.</a:t>
+            </a:r>
+          </a:p>
+          <a:p>
+            <a:pPr lvl="1"/>
+            <a:endParaRPr lang="en-US" dirty="0" smtClean="0"/>
+          </a:p>
+          <a:p>
+            <a:pPr lvl="1"/>
+            <a:endParaRPr lang="en-US" dirty="0" smtClean="0"/>
+          </a:p>
+          <a:p>
+            <a:endParaRPr lang="en-US" dirty="0"/>
+          </a:p>
+        </p:txBody>
+      </p:sp>
+    </p:spTree>
+    <p:extLst>
+      <p:ext uri="{BB962C8B-B14F-4D97-AF65-F5344CB8AC3E}">
+        <p14:creationId xmlns:p14="http://schemas.microsoft.com/office/powerpoint/2010/main" val="1566928502"/>
+      </p:ext>
+    </p:extLst>
+  </p:cSld>
+  <p:clrMapOvr>
+    <a:masterClrMapping/>
+  </p:clrMapOvr>
+  <p:timing>
+    <p:tnLst>
+      <p:par>
+        <p:cTn id="1" dur="indefinite" restart="never" nodeType="tmRoot"/>
+      </p:par>
+    </p:tnLst>
+  </p:timing>
+</p:sld>
+</file>
+
+<file path=ppt/slides/slide11.xml><?xml version="1.0" encoding="utf-8"?>
 <p:sld xmlns:a="http://schemas.openxmlformats.org/drawingml/2006/main" xmlns:r="http://schemas.openxmlformats.org/officeDocument/2006/relationships" xmlns:p="http://schemas.openxmlformats.org/presentationml/2006/main">
   <p:cSld>
     <p:spTree>
@@ -5719,126 +5868,7 @@
   <p:timing>
     <p:tnLst>
       <p:par>
-        <p:cTn xmlns:p14="http://schemas.microsoft.com/office/powerpoint/2010/main" id="1" dur="indefinite" restart="never" nodeType="tmRoot"/>
-      </p:par>
-    </p:tnLst>
-  </p:timing>
-</p:sld>
-</file>
-
-<file path=ppt/slides/slide11.xml><?xml version="1.0" encoding="utf-8"?>
-<p:sld xmlns:a="http://schemas.openxmlformats.org/drawingml/2006/main" xmlns:r="http://schemas.openxmlformats.org/officeDocument/2006/relationships" xmlns:p="http://schemas.openxmlformats.org/presentationml/2006/main">
-  <p:cSld>
-    <p:spTree>
-      <p:nvGrpSpPr>
-        <p:cNvPr id="1" name=""/>
-        <p:cNvGrpSpPr/>
-        <p:nvPr/>
-      </p:nvGrpSpPr>
-      <p:grpSpPr>
-        <a:xfrm>
-          <a:off x="0" y="0"/>
-          <a:ext cx="0" cy="0"/>
-          <a:chOff x="0" y="0"/>
-          <a:chExt cx="0" cy="0"/>
-        </a:xfrm>
-      </p:grpSpPr>
-      <p:sp>
-        <p:nvSpPr>
-          <p:cNvPr id="2" name="Title 1"/>
-          <p:cNvSpPr>
-            <a:spLocks noGrp="1"/>
-          </p:cNvSpPr>
-          <p:nvPr>
-            <p:ph type="title"/>
-          </p:nvPr>
-        </p:nvSpPr>
-        <p:spPr/>
-        <p:txBody>
-          <a:bodyPr/>
-          <a:lstStyle/>
-          <a:p>
-            <a:r>
-              <a:rPr lang="en-US" dirty="0" smtClean="0"/>
-              <a:t>Machine Learning</a:t>
-            </a:r>
-            <a:endParaRPr lang="en-US" dirty="0"/>
-          </a:p>
-        </p:txBody>
-      </p:sp>
-      <p:sp>
-        <p:nvSpPr>
-          <p:cNvPr id="3" name="Content Placeholder 2"/>
-          <p:cNvSpPr>
-            <a:spLocks noGrp="1"/>
-          </p:cNvSpPr>
-          <p:nvPr>
-            <p:ph idx="1"/>
-          </p:nvPr>
-        </p:nvSpPr>
-        <p:spPr/>
-        <p:txBody>
-          <a:bodyPr>
-            <a:normAutofit fontScale="92500" lnSpcReduction="20000"/>
-          </a:bodyPr>
-          <a:lstStyle/>
-          <a:p>
-            <a:r>
-              <a:rPr lang="en-US" dirty="0" smtClean="0"/>
-              <a:t>Multi-class classification – One vs Rest</a:t>
-            </a:r>
-          </a:p>
-          <a:p>
-            <a:r>
-              <a:rPr lang="en-US" dirty="0" smtClean="0"/>
-              <a:t>Creating a list with the available unique categories and iterating over the contents one by one </a:t>
-            </a:r>
-          </a:p>
-          <a:p>
-            <a:r>
-              <a:rPr lang="en-US" dirty="0" smtClean="0"/>
-              <a:t>Creating a list of weight matrix for each model and doing a matrix multiplication with the test data </a:t>
-            </a:r>
-          </a:p>
-          <a:p>
-            <a:pPr lvl="1"/>
-            <a:r>
-              <a:rPr lang="en-US" dirty="0" smtClean="0"/>
-              <a:t>Each model gives out a [1*9] weight matrix. Take one row from the test data. The features of the test data will be a [1*9] matrix. </a:t>
-            </a:r>
-          </a:p>
-          <a:p>
-            <a:pPr lvl="1"/>
-            <a:r>
-              <a:rPr lang="en-US" dirty="0" smtClean="0"/>
-              <a:t>Transpose the matrix to [9*1] and multiply that with the [1*9] weight matrix inside a for loop. This gives one value</a:t>
-            </a:r>
-          </a:p>
-          <a:p>
-            <a:r>
-              <a:rPr lang="en-US" dirty="0" smtClean="0"/>
-              <a:t>Reducing the number of output categories to four and doing the same thing again</a:t>
-            </a:r>
-          </a:p>
-          <a:p>
-            <a:endParaRPr lang="en-US" dirty="0"/>
-          </a:p>
-        </p:txBody>
-      </p:sp>
-    </p:spTree>
-    <p:extLst>
-      <p:ext uri="{BB962C8B-B14F-4D97-AF65-F5344CB8AC3E}">
-        <p14:creationId xmlns:p14="http://schemas.microsoft.com/office/powerpoint/2010/main" val="2499269871"/>
-      </p:ext>
-    </p:extLst>
-  </p:cSld>
-  <p:clrMapOvr>
-    <a:masterClrMapping/>
-  </p:clrMapOvr>
-  <p:timing>
-    <p:tnLst>
-      <p:par>
-        <p:cTn xmlns:p14="http://schemas.microsoft.com/office/powerpoint/2010/main" id="1" dur="indefinite" restart="never" nodeType="tmRoot"/>
+        <p:cTn id="1" dur="indefinite" restart="never" nodeType="tmRoot"/>
       </p:par>
     </p:tnLst>
   </p:timing>
@@ -5879,6 +5909,125 @@
           <a:p>
             <a:r>
               <a:rPr lang="en-US" dirty="0" smtClean="0"/>
+              <a:t>Machine Learning</a:t>
+            </a:r>
+            <a:endParaRPr lang="en-US" dirty="0"/>
+          </a:p>
+        </p:txBody>
+      </p:sp>
+      <p:sp>
+        <p:nvSpPr>
+          <p:cNvPr id="3" name="Content Placeholder 2"/>
+          <p:cNvSpPr>
+            <a:spLocks noGrp="1"/>
+          </p:cNvSpPr>
+          <p:nvPr>
+            <p:ph idx="1"/>
+          </p:nvPr>
+        </p:nvSpPr>
+        <p:spPr/>
+        <p:txBody>
+          <a:bodyPr>
+            <a:normAutofit fontScale="92500" lnSpcReduction="20000"/>
+          </a:bodyPr>
+          <a:lstStyle/>
+          <a:p>
+            <a:r>
+              <a:rPr lang="en-US" dirty="0" smtClean="0"/>
+              <a:t>Multi-class classification – One vs Rest</a:t>
+            </a:r>
+          </a:p>
+          <a:p>
+            <a:r>
+              <a:rPr lang="en-US" dirty="0" smtClean="0"/>
+              <a:t>Creating a list with the available unique categories and iterating over the contents one by one </a:t>
+            </a:r>
+          </a:p>
+          <a:p>
+            <a:r>
+              <a:rPr lang="en-US" dirty="0" smtClean="0"/>
+              <a:t>Creating a list of weight matrix for each model and doing a matrix multiplication with the test data </a:t>
+            </a:r>
+          </a:p>
+          <a:p>
+            <a:pPr lvl="1"/>
+            <a:r>
+              <a:rPr lang="en-US" dirty="0" smtClean="0"/>
+              <a:t>Each model gives out a [1*9] weight matrix. Take one row from the test data. The features of the test data will be a [1*9] matrix. </a:t>
+            </a:r>
+          </a:p>
+          <a:p>
+            <a:pPr lvl="1"/>
+            <a:r>
+              <a:rPr lang="en-US" dirty="0" smtClean="0"/>
+              <a:t>Transpose the matrix to [9*1] and multiply that with the [1*9] weight matrix inside a for loop. This gives one value</a:t>
+            </a:r>
+          </a:p>
+          <a:p>
+            <a:r>
+              <a:rPr lang="en-US" dirty="0" smtClean="0"/>
+              <a:t>Reducing the number of output categories to four and doing the same thing again</a:t>
+            </a:r>
+          </a:p>
+          <a:p>
+            <a:endParaRPr lang="en-US" dirty="0"/>
+          </a:p>
+        </p:txBody>
+      </p:sp>
+    </p:spTree>
+    <p:extLst>
+      <p:ext uri="{BB962C8B-B14F-4D97-AF65-F5344CB8AC3E}">
+        <p14:creationId xmlns:p14="http://schemas.microsoft.com/office/powerpoint/2010/main" val="2499269871"/>
+      </p:ext>
+    </p:extLst>
+  </p:cSld>
+  <p:clrMapOvr>
+    <a:masterClrMapping/>
+  </p:clrMapOvr>
+  <p:timing>
+    <p:tnLst>
+      <p:par>
+        <p:cTn id="1" dur="indefinite" restart="never" nodeType="tmRoot"/>
+      </p:par>
+    </p:tnLst>
+  </p:timing>
+</p:sld>
+</file>
+
+<file path=ppt/slides/slide13.xml><?xml version="1.0" encoding="utf-8"?>
+<p:sld xmlns:a="http://schemas.openxmlformats.org/drawingml/2006/main" xmlns:r="http://schemas.openxmlformats.org/officeDocument/2006/relationships" xmlns:p="http://schemas.openxmlformats.org/presentationml/2006/main">
+  <p:cSld>
+    <p:spTree>
+      <p:nvGrpSpPr>
+        <p:cNvPr id="1" name=""/>
+        <p:cNvGrpSpPr/>
+        <p:nvPr/>
+      </p:nvGrpSpPr>
+      <p:grpSpPr>
+        <a:xfrm>
+          <a:off x="0" y="0"/>
+          <a:ext cx="0" cy="0"/>
+          <a:chOff x="0" y="0"/>
+          <a:chExt cx="0" cy="0"/>
+        </a:xfrm>
+      </p:grpSpPr>
+      <p:sp>
+        <p:nvSpPr>
+          <p:cNvPr id="2" name="Title 1"/>
+          <p:cNvSpPr>
+            <a:spLocks noGrp="1"/>
+          </p:cNvSpPr>
+          <p:nvPr>
+            <p:ph type="title"/>
+          </p:nvPr>
+        </p:nvSpPr>
+        <p:spPr/>
+        <p:txBody>
+          <a:bodyPr/>
+          <a:lstStyle/>
+          <a:p>
+            <a:r>
+              <a:rPr lang="en-US" dirty="0" smtClean="0"/>
               <a:t>Results</a:t>
             </a:r>
             <a:endParaRPr lang="en-US" dirty="0"/>
@@ -5895,13 +6044,13 @@
             <p:ph idx="1"/>
             <p:extLst>
               <p:ext uri="{D42A27DB-BD31-4B8C-83A1-F6EECF244321}">
-                <p14:modId xmlns:p14="http://schemas.microsoft.com/office/powerpoint/2010/main" val="967246644"/>
+                <p14:modId xmlns:p14="http://schemas.microsoft.com/office/powerpoint/2010/main" val="3821661711"/>
               </p:ext>
             </p:extLst>
           </p:nvPr>
         </p:nvGraphicFramePr>
         <p:xfrm>
-          <a:off x="736282" y="2592674"/>
+          <a:off x="736280" y="2416028"/>
           <a:ext cx="6963381" cy="1522125"/>
         </p:xfrm>
         <a:graphic>
@@ -6328,7 +6477,7 @@
         </p:blipFill>
         <p:spPr>
           <a:xfrm>
-            <a:off x="509154" y="4338165"/>
+            <a:off x="555176" y="4551140"/>
             <a:ext cx="7325591" cy="1589887"/>
           </a:xfrm>
           <a:prstGeom prst="rect">
@@ -6371,6 +6520,38 @@
               <a:t>: Cloudy weather</a:t>
             </a:r>
             <a:endParaRPr lang="en-US" dirty="0"/>
+          </a:p>
+        </p:txBody>
+      </p:sp>
+      <p:sp>
+        <p:nvSpPr>
+          <p:cNvPr id="3" name="Rectangle 2"/>
+          <p:cNvSpPr/>
+          <p:nvPr/>
+        </p:nvSpPr>
+        <p:spPr>
+          <a:xfrm>
+            <a:off x="736279" y="4059978"/>
+            <a:ext cx="6963381" cy="369332"/>
+          </a:xfrm>
+          <a:prstGeom prst="rect">
+            <a:avLst/>
+          </a:prstGeom>
+        </p:spPr>
+        <p:txBody>
+          <a:bodyPr wrap="square">
+            <a:spAutoFit/>
+          </a:bodyPr>
+          <a:lstStyle/>
+          <a:p>
+            <a:r>
+              <a:rPr lang="en-US" dirty="0" err="1"/>
+              <a:t>test_list</a:t>
+            </a:r>
+            <a:r>
+              <a:rPr lang="en-US" dirty="0"/>
+              <a:t> = [3321.0,16.0,7.0,30.0,315.0,10.0,45000.0,15.0,1021.0] </a:t>
+            </a:r>
           </a:p>
         </p:txBody>
       </p:sp>
@@ -6387,14 +6568,14 @@
   <p:timing>
     <p:tnLst>
       <p:par>
-        <p:cTn xmlns:p14="http://schemas.microsoft.com/office/powerpoint/2010/main" id="1" dur="indefinite" restart="never" nodeType="tmRoot"/>
+        <p:cTn id="1" dur="indefinite" restart="never" nodeType="tmRoot"/>
       </p:par>
     </p:tnLst>
   </p:timing>
 </p:sld>
 </file>
 
-<file path=ppt/slides/slide13.xml><?xml version="1.0" encoding="utf-8"?>
+<file path=ppt/slides/slide14.xml><?xml version="1.0" encoding="utf-8"?>
 <p:sld xmlns:a="http://schemas.openxmlformats.org/drawingml/2006/main" xmlns:r="http://schemas.openxmlformats.org/officeDocument/2006/relationships" xmlns:p="http://schemas.openxmlformats.org/presentationml/2006/main">
   <p:cSld>
     <p:spTree>
@@ -6480,7 +6661,7 @@
   <p:timing>
     <p:tnLst>
       <p:par>
-        <p:cTn xmlns:p14="http://schemas.microsoft.com/office/powerpoint/2010/main" id="1" dur="indefinite" restart="never" nodeType="tmRoot"/>
+        <p:cTn id="1" dur="indefinite" restart="never" nodeType="tmRoot"/>
       </p:par>
     </p:tnLst>
   </p:timing>
@@ -6623,7 +6804,7 @@
   <p:timing>
     <p:tnLst>
       <p:par>
-        <p:cTn xmlns:p14="http://schemas.microsoft.com/office/powerpoint/2010/main" id="1" dur="indefinite" restart="never" nodeType="tmRoot"/>
+        <p:cTn id="1" dur="indefinite" restart="never" nodeType="tmRoot"/>
       </p:par>
     </p:tnLst>
   </p:timing>
@@ -6755,7 +6936,7 @@
   <p:timing>
     <p:tnLst>
       <p:par>
-        <p:cTn xmlns:p14="http://schemas.microsoft.com/office/powerpoint/2010/main" id="1" dur="indefinite" restart="never" nodeType="tmRoot"/>
+        <p:cTn id="1" dur="indefinite" restart="never" nodeType="tmRoot"/>
       </p:par>
     </p:tnLst>
   </p:timing>
@@ -6890,7 +7071,7 @@
   <p:timing>
     <p:tnLst>
       <p:par>
-        <p:cTn xmlns:p14="http://schemas.microsoft.com/office/powerpoint/2010/main" id="1" dur="indefinite" restart="never" nodeType="tmRoot"/>
+        <p:cTn id="1" dur="indefinite" restart="never" nodeType="tmRoot"/>
       </p:par>
     </p:tnLst>
   </p:timing>
@@ -6951,9 +7132,16 @@
             <p:ph idx="1"/>
           </p:nvPr>
         </p:nvSpPr>
-        <p:spPr/>
-        <p:txBody>
-          <a:bodyPr/>
+        <p:spPr>
+          <a:xfrm>
+            <a:off x="1114424" y="2564389"/>
+            <a:ext cx="7610476" cy="3670767"/>
+          </a:xfrm>
+        </p:spPr>
+        <p:txBody>
+          <a:bodyPr>
+            <a:normAutofit fontScale="85000" lnSpcReduction="20000"/>
+          </a:bodyPr>
           <a:lstStyle/>
           <a:p>
             <a:r>
@@ -6982,13 +7170,27 @@
             </a:r>
             <a:r>
               <a:rPr lang="en-US" dirty="0" smtClean="0"/>
-              <a:t>; inbuilt functions that finds forms on any HTML page</a:t>
-            </a:r>
-          </a:p>
-          <a:p>
+              <a:t>; inbuilt functions that finds forms on any HTML </a:t>
+            </a:r>
             <a:r>
               <a:rPr lang="en-US" dirty="0" smtClean="0"/>
-              <a:t>The form for this data can be found at:</a:t>
+              <a:t>page</a:t>
+            </a:r>
+          </a:p>
+          <a:p>
+            <a:endParaRPr lang="en-US" dirty="0" smtClean="0"/>
+          </a:p>
+          <a:p>
+            <a:endParaRPr lang="en-US" dirty="0" smtClean="0"/>
+          </a:p>
+          <a:p>
+            <a:r>
+              <a:rPr lang="en-US" dirty="0" smtClean="0"/>
+              <a:t>The </a:t>
+            </a:r>
+            <a:r>
+              <a:rPr lang="en-US" dirty="0" smtClean="0"/>
+              <a:t>form for this data can be found at:</a:t>
             </a:r>
           </a:p>
           <a:p>
@@ -7027,6 +7229,36 @@
           </a:p>
         </p:txBody>
       </p:sp>
+      <p:pic>
+        <p:nvPicPr>
+          <p:cNvPr id="4" name="Picture 3"/>
+          <p:cNvPicPr>
+            <a:picLocks noChangeAspect="1"/>
+          </p:cNvPicPr>
+          <p:nvPr/>
+        </p:nvPicPr>
+        <p:blipFill>
+          <a:blip r:embed="rId4" cstate="email">
+            <a:extLst>
+              <a:ext uri="{28A0092B-C50C-407E-A947-70E740481C1C}">
+                <a14:useLocalDpi xmlns:a14="http://schemas.microsoft.com/office/drawing/2010/main" val="0"/>
+              </a:ext>
+            </a:extLst>
+          </a:blip>
+          <a:stretch>
+            <a:fillRect/>
+          </a:stretch>
+        </p:blipFill>
+        <p:spPr>
+          <a:xfrm>
+            <a:off x="1433945" y="4236599"/>
+            <a:ext cx="6587836" cy="1068480"/>
+          </a:xfrm>
+          <a:prstGeom prst="rect">
+            <a:avLst/>
+          </a:prstGeom>
+        </p:spPr>
+      </p:pic>
     </p:spTree>
     <p:extLst>
       <p:ext uri="{BB962C8B-B14F-4D97-AF65-F5344CB8AC3E}">
@@ -7040,7 +7272,7 @@
   <p:timing>
     <p:tnLst>
       <p:par>
-        <p:cTn xmlns:p14="http://schemas.microsoft.com/office/powerpoint/2010/main" id="1" dur="indefinite" restart="never" nodeType="tmRoot"/>
+        <p:cTn id="1" dur="indefinite" restart="never" nodeType="tmRoot"/>
       </p:par>
     </p:tnLst>
   </p:timing>
@@ -7077,6 +7309,97 @@
         <p:spPr/>
         <p:txBody>
           <a:bodyPr/>
+          <a:lstStyle/>
+          <a:p>
+            <a:r>
+              <a:rPr lang="en-US" smtClean="0"/>
+              <a:t>Data screenshot</a:t>
+            </a:r>
+            <a:endParaRPr lang="en-US" dirty="0"/>
+          </a:p>
+        </p:txBody>
+      </p:sp>
+      <p:pic>
+        <p:nvPicPr>
+          <p:cNvPr id="7" name="Content Placeholder 6"/>
+          <p:cNvPicPr>
+            <a:picLocks noGrp="1" noChangeAspect="1"/>
+          </p:cNvPicPr>
+          <p:nvPr>
+            <p:ph idx="1"/>
+          </p:nvPr>
+        </p:nvPicPr>
+        <p:blipFill>
+          <a:blip r:embed="rId2" cstate="email">
+            <a:extLst>
+              <a:ext uri="{28A0092B-C50C-407E-A947-70E740481C1C}">
+                <a14:useLocalDpi xmlns:a14="http://schemas.microsoft.com/office/drawing/2010/main" val="0"/>
+              </a:ext>
+            </a:extLst>
+          </a:blip>
+          <a:stretch>
+            <a:fillRect/>
+          </a:stretch>
+        </p:blipFill>
+        <p:spPr>
+          <a:xfrm>
+            <a:off x="548368" y="2522222"/>
+            <a:ext cx="8015061" cy="3922121"/>
+          </a:xfrm>
+        </p:spPr>
+      </p:pic>
+    </p:spTree>
+    <p:extLst>
+      <p:ext uri="{BB962C8B-B14F-4D97-AF65-F5344CB8AC3E}">
+        <p14:creationId xmlns:p14="http://schemas.microsoft.com/office/powerpoint/2010/main" val="3814257754"/>
+      </p:ext>
+    </p:extLst>
+  </p:cSld>
+  <p:clrMapOvr>
+    <a:masterClrMapping/>
+  </p:clrMapOvr>
+  <p:timing>
+    <p:tnLst>
+      <p:par>
+        <p:cTn id="1" dur="indefinite" restart="never" nodeType="tmRoot"/>
+      </p:par>
+    </p:tnLst>
+  </p:timing>
+</p:sld>
+</file>
+
+<file path=ppt/slides/slide7.xml><?xml version="1.0" encoding="utf-8"?>
+<p:sld xmlns:a="http://schemas.openxmlformats.org/drawingml/2006/main" xmlns:r="http://schemas.openxmlformats.org/officeDocument/2006/relationships" xmlns:p="http://schemas.openxmlformats.org/presentationml/2006/main">
+  <p:cSld>
+    <p:spTree>
+      <p:nvGrpSpPr>
+        <p:cNvPr id="1" name=""/>
+        <p:cNvGrpSpPr/>
+        <p:nvPr/>
+      </p:nvGrpSpPr>
+      <p:grpSpPr>
+        <a:xfrm>
+          <a:off x="0" y="0"/>
+          <a:ext cx="0" cy="0"/>
+          <a:chOff x="0" y="0"/>
+          <a:chExt cx="0" cy="0"/>
+        </a:xfrm>
+      </p:grpSpPr>
+      <p:sp>
+        <p:nvSpPr>
+          <p:cNvPr id="2" name="Title 1"/>
+          <p:cNvSpPr>
+            <a:spLocks noGrp="1"/>
+          </p:cNvSpPr>
+          <p:nvPr>
+            <p:ph type="title"/>
+          </p:nvPr>
+        </p:nvSpPr>
+        <p:spPr/>
+        <p:txBody>
+          <a:bodyPr>
+            <a:normAutofit fontScale="90000"/>
+          </a:bodyPr>
           <a:lstStyle/>
           <a:p>
             <a:r>
@@ -7125,7 +7448,7 @@
 </p:sld>
 </file>
 
-<file path=ppt/slides/slide7.xml><?xml version="1.0" encoding="utf-8"?>
+<file path=ppt/slides/slide8.xml><?xml version="1.0" encoding="utf-8"?>
 <p:sld xmlns:a="http://schemas.openxmlformats.org/drawingml/2006/main" xmlns:r="http://schemas.openxmlformats.org/officeDocument/2006/relationships" xmlns:p="http://schemas.openxmlformats.org/presentationml/2006/main">
   <p:cSld>
     <p:spTree>
@@ -7186,7 +7509,7 @@
           </p:nvPr>
         </p:nvPicPr>
         <p:blipFill>
-          <a:blip r:embed="rId2">
+          <a:blip r:embed="rId2" cstate="email">
             <a:extLst>
               <a:ext uri="{28A0092B-C50C-407E-A947-70E740481C1C}">
                 <a14:useLocalDpi xmlns:a14="http://schemas.microsoft.com/office/drawing/2010/main" val="0"/>
@@ -7213,14 +7536,14 @@
   <p:timing>
     <p:tnLst>
       <p:par>
-        <p:cTn xmlns:p14="http://schemas.microsoft.com/office/powerpoint/2010/main" id="1" dur="indefinite" restart="never" nodeType="tmRoot"/>
+        <p:cTn id="1" dur="indefinite" restart="never" nodeType="tmRoot"/>
       </p:par>
     </p:tnLst>
   </p:timing>
 </p:sld>
 </file>
 
-<file path=ppt/slides/slide8.xml><?xml version="1.0" encoding="utf-8"?>
+<file path=ppt/slides/slide9.xml><?xml version="1.0" encoding="utf-8"?>
 <p:sld xmlns:a="http://schemas.openxmlformats.org/drawingml/2006/main" xmlns:r="http://schemas.openxmlformats.org/officeDocument/2006/relationships" xmlns:p="http://schemas.openxmlformats.org/presentationml/2006/main">
   <p:cSld>
     <p:spTree>
@@ -7271,7 +7594,7 @@
           </p:nvPr>
         </p:nvPicPr>
         <p:blipFill>
-          <a:blip r:embed="rId2">
+          <a:blip r:embed="rId2" cstate="email">
             <a:extLst>
               <a:ext uri="{28A0092B-C50C-407E-A947-70E740481C1C}">
                 <a14:useLocalDpi xmlns:a14="http://schemas.microsoft.com/office/drawing/2010/main" val="0"/>
@@ -7303,155 +7626,7 @@
   <p:timing>
     <p:tnLst>
       <p:par>
-        <p:cTn xmlns:p14="http://schemas.microsoft.com/office/powerpoint/2010/main" id="1" dur="indefinite" restart="never" nodeType="tmRoot"/>
-      </p:par>
-    </p:tnLst>
-  </p:timing>
-</p:sld>
-</file>
-
-<file path=ppt/slides/slide9.xml><?xml version="1.0" encoding="utf-8"?>
-<p:sld xmlns:a="http://schemas.openxmlformats.org/drawingml/2006/main" xmlns:r="http://schemas.openxmlformats.org/officeDocument/2006/relationships" xmlns:p="http://schemas.openxmlformats.org/presentationml/2006/main">
-  <p:cSld>
-    <p:spTree>
-      <p:nvGrpSpPr>
-        <p:cNvPr id="1" name=""/>
-        <p:cNvGrpSpPr/>
-        <p:nvPr/>
-      </p:nvGrpSpPr>
-      <p:grpSpPr>
-        <a:xfrm>
-          <a:off x="0" y="0"/>
-          <a:ext cx="0" cy="0"/>
-          <a:chOff x="0" y="0"/>
-          <a:chExt cx="0" cy="0"/>
-        </a:xfrm>
-      </p:grpSpPr>
-      <p:sp>
-        <p:nvSpPr>
-          <p:cNvPr id="2" name="Title 1"/>
-          <p:cNvSpPr>
-            <a:spLocks noGrp="1"/>
-          </p:cNvSpPr>
-          <p:nvPr>
-            <p:ph type="title"/>
-          </p:nvPr>
-        </p:nvSpPr>
-        <p:spPr/>
-        <p:txBody>
-          <a:bodyPr/>
-          <a:lstStyle/>
-          <a:p>
-            <a:r>
-              <a:rPr lang="en-US" dirty="0" smtClean="0"/>
-              <a:t>Data Preprocessing</a:t>
-            </a:r>
-            <a:endParaRPr lang="en-US" dirty="0"/>
-          </a:p>
-        </p:txBody>
-      </p:sp>
-      <p:sp>
-        <p:nvSpPr>
-          <p:cNvPr id="3" name="Content Placeholder 2"/>
-          <p:cNvSpPr>
-            <a:spLocks noGrp="1"/>
-          </p:cNvSpPr>
-          <p:nvPr>
-            <p:ph idx="1"/>
-          </p:nvPr>
-        </p:nvSpPr>
-        <p:spPr>
-          <a:xfrm>
-            <a:off x="883539" y="2723035"/>
-            <a:ext cx="7610476" cy="3011609"/>
-          </a:xfrm>
-        </p:spPr>
-        <p:txBody>
-          <a:bodyPr>
-            <a:normAutofit lnSpcReduction="10000"/>
-          </a:bodyPr>
-          <a:lstStyle/>
-          <a:p>
-            <a:r>
-              <a:rPr lang="en-US" b="1" dirty="0" smtClean="0"/>
-              <a:t>Biggest challenge: </a:t>
-            </a:r>
-            <a:r>
-              <a:rPr lang="en-US" dirty="0" smtClean="0"/>
-              <a:t>Data cleansing into suitable format</a:t>
-            </a:r>
-          </a:p>
-          <a:p>
-            <a:r>
-              <a:rPr lang="en-US" dirty="0" smtClean="0"/>
-              <a:t>Different areas of preprocessing:</a:t>
-            </a:r>
-          </a:p>
-          <a:p>
-            <a:pPr lvl="1"/>
-            <a:r>
-              <a:rPr lang="en-US" dirty="0" smtClean="0"/>
-              <a:t>Handling bad data</a:t>
-            </a:r>
-          </a:p>
-          <a:p>
-            <a:pPr lvl="1"/>
-            <a:r>
-              <a:rPr lang="en-US" dirty="0" smtClean="0"/>
-              <a:t>Converting categorical into numerical values</a:t>
-            </a:r>
-          </a:p>
-          <a:p>
-            <a:r>
-              <a:rPr lang="en-US" dirty="0"/>
-              <a:t>Handling bad data:</a:t>
-            </a:r>
-          </a:p>
-          <a:p>
-            <a:pPr lvl="1"/>
-            <a:r>
-              <a:rPr lang="en-US" i="1" dirty="0"/>
-              <a:t>“Significant Weather” </a:t>
-            </a:r>
-            <a:r>
-              <a:rPr lang="en-US" dirty="0"/>
-              <a:t>column has N/A values and also other columns have missing values</a:t>
-            </a:r>
-          </a:p>
-          <a:p>
-            <a:pPr lvl="1"/>
-            <a:r>
-              <a:rPr lang="en-US" dirty="0"/>
-              <a:t>We filter out rows that match these criteria.</a:t>
-            </a:r>
-          </a:p>
-          <a:p>
-            <a:pPr lvl="1"/>
-            <a:endParaRPr lang="en-US" dirty="0" smtClean="0"/>
-          </a:p>
-          <a:p>
-            <a:pPr lvl="1"/>
-            <a:endParaRPr lang="en-US" dirty="0" smtClean="0"/>
-          </a:p>
-          <a:p>
-            <a:endParaRPr lang="en-US" dirty="0"/>
-          </a:p>
-        </p:txBody>
-      </p:sp>
-    </p:spTree>
-    <p:extLst>
-      <p:ext uri="{BB962C8B-B14F-4D97-AF65-F5344CB8AC3E}">
-        <p14:creationId xmlns:p14="http://schemas.microsoft.com/office/powerpoint/2010/main" val="1566928502"/>
-      </p:ext>
-    </p:extLst>
-  </p:cSld>
-  <p:clrMapOvr>
-    <a:masterClrMapping/>
-  </p:clrMapOvr>
-  <p:timing>
-    <p:tnLst>
-      <p:par>
-        <p:cTn xmlns:p14="http://schemas.microsoft.com/office/powerpoint/2010/main" id="1" dur="indefinite" restart="never" nodeType="tmRoot"/>
+        <p:cTn id="1" dur="indefinite" restart="never" nodeType="tmRoot"/>
       </p:par>
     </p:tnLst>
   </p:timing>
